--- a/Class base views.pptx
+++ b/Class base views.pptx
@@ -6,13 +6,22 @@
   </p:sldMasterIdLst>
   <p:sldIdLst>
     <p:sldId id="256" r:id="rId2"/>
-    <p:sldId id="259" r:id="rId3"/>
-    <p:sldId id="257" r:id="rId4"/>
-    <p:sldId id="260" r:id="rId5"/>
-    <p:sldId id="258" r:id="rId6"/>
-    <p:sldId id="261" r:id="rId7"/>
-    <p:sldId id="262" r:id="rId8"/>
-    <p:sldId id="263" r:id="rId9"/>
+    <p:sldId id="265" r:id="rId3"/>
+    <p:sldId id="266" r:id="rId4"/>
+    <p:sldId id="259" r:id="rId5"/>
+    <p:sldId id="257" r:id="rId6"/>
+    <p:sldId id="260" r:id="rId7"/>
+    <p:sldId id="258" r:id="rId8"/>
+    <p:sldId id="261" r:id="rId9"/>
+    <p:sldId id="262" r:id="rId10"/>
+    <p:sldId id="263" r:id="rId11"/>
+    <p:sldId id="264" r:id="rId12"/>
+    <p:sldId id="267" r:id="rId13"/>
+    <p:sldId id="268" r:id="rId14"/>
+    <p:sldId id="269" r:id="rId15"/>
+    <p:sldId id="270" r:id="rId16"/>
+    <p:sldId id="271" r:id="rId17"/>
+    <p:sldId id="272" r:id="rId18"/>
   </p:sldIdLst>
   <p:sldSz cx="12192000" cy="6858000"/>
   <p:notesSz cx="6858000" cy="9144000"/>
@@ -111,7 +120,38 @@
       </a:defRPr>
     </a:lvl9pPr>
   </p:defaultTextStyle>
+  <p:extLst>
+    <p:ext uri="{EFAFB233-063F-42B5-8137-9DF3F51BA10A}">
+      <p15:sldGuideLst xmlns:p15="http://schemas.microsoft.com/office/powerpoint/2012/main"/>
+    </p:ext>
+  </p:extLst>
 </p:presentation>
+</file>
+
+<file path=ppt/commentAuthors.xml><?xml version="1.0" encoding="utf-8"?>
+<p:cmAuthorLst xmlns:a="http://schemas.openxmlformats.org/drawingml/2006/main" xmlns:r="http://schemas.openxmlformats.org/officeDocument/2006/relationships" xmlns:p="http://schemas.openxmlformats.org/presentationml/2006/main">
+  <p:cmAuthor id="1" name="Ghazaleh Ranjbaran" initials="GR" lastIdx="1" clrIdx="0">
+    <p:extLst>
+      <p:ext uri="{19B8F6BF-5375-455C-9EA6-DF929625EA0E}">
+        <p15:presenceInfo xmlns:p15="http://schemas.microsoft.com/office/powerpoint/2012/main" userId="005ae88368980e12" providerId="Windows Live"/>
+      </p:ext>
+    </p:extLst>
+  </p:cmAuthor>
+</p:cmAuthorLst>
+</file>
+
+<file path=ppt/comments/comment1.xml><?xml version="1.0" encoding="utf-8"?>
+<p:cmLst xmlns:a="http://schemas.openxmlformats.org/drawingml/2006/main" xmlns:r="http://schemas.openxmlformats.org/officeDocument/2006/relationships" xmlns:p="http://schemas.openxmlformats.org/presentationml/2006/main">
+  <p:cm authorId="1" dt="2024-07-02T17:10:37.270" idx="1">
+    <p:pos x="10" y="10"/>
+    <p:text/>
+    <p:extLst>
+      <p:ext uri="{C676402C-5697-4E1C-873F-D02D1690AC5C}">
+        <p15:threadingInfo xmlns:p15="http://schemas.microsoft.com/office/powerpoint/2012/main" timeZoneBias="-210"/>
+      </p:ext>
+    </p:extLst>
+  </p:cm>
+</p:cmLst>
 </file>
 
 <file path=ppt/slideLayouts/slideLayout1.xml><?xml version="1.0" encoding="utf-8"?>
@@ -305,7 +345,7 @@
           <a:p>
             <a:fld id="{005CFDFC-E021-4EBC-B3A5-B376023E799B}" type="datetimeFigureOut">
               <a:rPr lang="en-US" smtClean="0"/>
-              <a:t>7/1/2024</a:t>
+              <a:t>7/2/2024</a:t>
             </a:fld>
             <a:endParaRPr lang="en-US"/>
           </a:p>
@@ -741,7 +781,7 @@
           <a:p>
             <a:fld id="{005CFDFC-E021-4EBC-B3A5-B376023E799B}" type="datetimeFigureOut">
               <a:rPr lang="en-US" smtClean="0"/>
-              <a:t>7/1/2024</a:t>
+              <a:t>7/2/2024</a:t>
             </a:fld>
             <a:endParaRPr lang="en-US"/>
           </a:p>
@@ -991,7 +1031,7 @@
           <a:p>
             <a:fld id="{005CFDFC-E021-4EBC-B3A5-B376023E799B}" type="datetimeFigureOut">
               <a:rPr lang="en-US" smtClean="0"/>
-              <a:t>7/1/2024</a:t>
+              <a:t>7/2/2024</a:t>
             </a:fld>
             <a:endParaRPr lang="en-US"/>
           </a:p>
@@ -1299,7 +1339,7 @@
           <a:p>
             <a:fld id="{005CFDFC-E021-4EBC-B3A5-B376023E799B}" type="datetimeFigureOut">
               <a:rPr lang="en-US" smtClean="0"/>
-              <a:t>7/1/2024</a:t>
+              <a:t>7/2/2024</a:t>
             </a:fld>
             <a:endParaRPr lang="en-US"/>
           </a:p>
@@ -1617,7 +1657,7 @@
           <a:p>
             <a:fld id="{005CFDFC-E021-4EBC-B3A5-B376023E799B}" type="datetimeFigureOut">
               <a:rPr lang="en-US" smtClean="0"/>
-              <a:t>7/1/2024</a:t>
+              <a:t>7/2/2024</a:t>
             </a:fld>
             <a:endParaRPr lang="en-US"/>
           </a:p>
@@ -1919,7 +1959,7 @@
           <a:p>
             <a:fld id="{005CFDFC-E021-4EBC-B3A5-B376023E799B}" type="datetimeFigureOut">
               <a:rPr lang="en-US" smtClean="0"/>
-              <a:t>7/1/2024</a:t>
+              <a:t>7/2/2024</a:t>
             </a:fld>
             <a:endParaRPr lang="en-US"/>
           </a:p>
@@ -2286,7 +2326,7 @@
           <a:p>
             <a:fld id="{005CFDFC-E021-4EBC-B3A5-B376023E799B}" type="datetimeFigureOut">
               <a:rPr lang="en-US" smtClean="0"/>
-              <a:t>7/1/2024</a:t>
+              <a:t>7/2/2024</a:t>
             </a:fld>
             <a:endParaRPr lang="en-US"/>
           </a:p>
@@ -2460,7 +2500,7 @@
           <a:p>
             <a:fld id="{005CFDFC-E021-4EBC-B3A5-B376023E799B}" type="datetimeFigureOut">
               <a:rPr lang="en-US" smtClean="0"/>
-              <a:t>7/1/2024</a:t>
+              <a:t>7/2/2024</a:t>
             </a:fld>
             <a:endParaRPr lang="en-US"/>
           </a:p>
@@ -2640,7 +2680,7 @@
           <a:p>
             <a:fld id="{005CFDFC-E021-4EBC-B3A5-B376023E799B}" type="datetimeFigureOut">
               <a:rPr lang="en-US" smtClean="0"/>
-              <a:t>7/1/2024</a:t>
+              <a:t>7/2/2024</a:t>
             </a:fld>
             <a:endParaRPr lang="en-US"/>
           </a:p>
@@ -2810,7 +2850,7 @@
           <a:p>
             <a:fld id="{005CFDFC-E021-4EBC-B3A5-B376023E799B}" type="datetimeFigureOut">
               <a:rPr lang="en-US" smtClean="0"/>
-              <a:t>7/1/2024</a:t>
+              <a:t>7/2/2024</a:t>
             </a:fld>
             <a:endParaRPr lang="en-US"/>
           </a:p>
@@ -3060,7 +3100,7 @@
           <a:p>
             <a:fld id="{005CFDFC-E021-4EBC-B3A5-B376023E799B}" type="datetimeFigureOut">
               <a:rPr lang="en-US" smtClean="0"/>
-              <a:t>7/1/2024</a:t>
+              <a:t>7/2/2024</a:t>
             </a:fld>
             <a:endParaRPr lang="en-US"/>
           </a:p>
@@ -3296,7 +3336,7 @@
           <a:p>
             <a:fld id="{005CFDFC-E021-4EBC-B3A5-B376023E799B}" type="datetimeFigureOut">
               <a:rPr lang="en-US" smtClean="0"/>
-              <a:t>7/1/2024</a:t>
+              <a:t>7/2/2024</a:t>
             </a:fld>
             <a:endParaRPr lang="en-US"/>
           </a:p>
@@ -3678,7 +3718,7 @@
           <a:p>
             <a:fld id="{005CFDFC-E021-4EBC-B3A5-B376023E799B}" type="datetimeFigureOut">
               <a:rPr lang="en-US" smtClean="0"/>
-              <a:t>7/1/2024</a:t>
+              <a:t>7/2/2024</a:t>
             </a:fld>
             <a:endParaRPr lang="en-US"/>
           </a:p>
@@ -3796,7 +3836,7 @@
           <a:p>
             <a:fld id="{005CFDFC-E021-4EBC-B3A5-B376023E799B}" type="datetimeFigureOut">
               <a:rPr lang="en-US" smtClean="0"/>
-              <a:t>7/1/2024</a:t>
+              <a:t>7/2/2024</a:t>
             </a:fld>
             <a:endParaRPr lang="en-US"/>
           </a:p>
@@ -3891,7 +3931,7 @@
           <a:p>
             <a:fld id="{005CFDFC-E021-4EBC-B3A5-B376023E799B}" type="datetimeFigureOut">
               <a:rPr lang="en-US" smtClean="0"/>
-              <a:t>7/1/2024</a:t>
+              <a:t>7/2/2024</a:t>
             </a:fld>
             <a:endParaRPr lang="en-US"/>
           </a:p>
@@ -4146,7 +4186,7 @@
           <a:p>
             <a:fld id="{005CFDFC-E021-4EBC-B3A5-B376023E799B}" type="datetimeFigureOut">
               <a:rPr lang="en-US" smtClean="0"/>
-              <a:t>7/1/2024</a:t>
+              <a:t>7/2/2024</a:t>
             </a:fld>
             <a:endParaRPr lang="en-US"/>
           </a:p>
@@ -4429,7 +4469,7 @@
           <a:p>
             <a:fld id="{005CFDFC-E021-4EBC-B3A5-B376023E799B}" type="datetimeFigureOut">
               <a:rPr lang="en-US" smtClean="0"/>
-              <a:t>7/1/2024</a:t>
+              <a:t>7/2/2024</a:t>
             </a:fld>
             <a:endParaRPr lang="en-US"/>
           </a:p>
@@ -4835,7 +4875,7 @@
           <a:p>
             <a:fld id="{005CFDFC-E021-4EBC-B3A5-B376023E799B}" type="datetimeFigureOut">
               <a:rPr lang="en-US" smtClean="0"/>
-              <a:t>7/1/2024</a:t>
+              <a:t>7/2/2024</a:t>
             </a:fld>
             <a:endParaRPr lang="en-US"/>
           </a:p>
@@ -5448,6 +5488,749 @@
 </p:sld>
 </file>
 
+<file path=ppt/slides/slide10.xml><?xml version="1.0" encoding="utf-8"?>
+<p:sld xmlns:a="http://schemas.openxmlformats.org/drawingml/2006/main" xmlns:r="http://schemas.openxmlformats.org/officeDocument/2006/relationships" xmlns:p="http://schemas.openxmlformats.org/presentationml/2006/main">
+  <p:cSld>
+    <p:spTree>
+      <p:nvGrpSpPr>
+        <p:cNvPr id="1" name=""/>
+        <p:cNvGrpSpPr/>
+        <p:nvPr/>
+      </p:nvGrpSpPr>
+      <p:grpSpPr>
+        <a:xfrm>
+          <a:off x="0" y="0"/>
+          <a:ext cx="0" cy="0"/>
+          <a:chOff x="0" y="0"/>
+          <a:chExt cx="0" cy="0"/>
+        </a:xfrm>
+      </p:grpSpPr>
+      <p:pic>
+        <p:nvPicPr>
+          <p:cNvPr id="5" name="Content Placeholder 4">
+            <a:extLst>
+              <a:ext uri="{FF2B5EF4-FFF2-40B4-BE49-F238E27FC236}">
+                <a16:creationId xmlns:a16="http://schemas.microsoft.com/office/drawing/2014/main" id="{2C553E99-B3D2-AD88-9EE1-2146816CE9B3}"/>
+              </a:ext>
+            </a:extLst>
+          </p:cNvPr>
+          <p:cNvPicPr>
+            <a:picLocks noGrp="1" noChangeAspect="1"/>
+          </p:cNvPicPr>
+          <p:nvPr>
+            <p:ph idx="1"/>
+          </p:nvPr>
+        </p:nvPicPr>
+        <p:blipFill>
+          <a:blip r:embed="rId2">
+            <a:extLst>
+              <a:ext uri="{28A0092B-C50C-407E-A947-70E740481C1C}">
+                <a14:useLocalDpi xmlns:a14="http://schemas.microsoft.com/office/drawing/2010/main" val="0"/>
+              </a:ext>
+            </a:extLst>
+          </a:blip>
+          <a:stretch>
+            <a:fillRect/>
+          </a:stretch>
+        </p:blipFill>
+        <p:spPr>
+          <a:xfrm>
+            <a:off x="494522" y="261212"/>
+            <a:ext cx="10646467" cy="6419505"/>
+          </a:xfrm>
+        </p:spPr>
+      </p:pic>
+    </p:spTree>
+    <p:extLst>
+      <p:ext uri="{BB962C8B-B14F-4D97-AF65-F5344CB8AC3E}">
+        <p14:creationId xmlns:p14="http://schemas.microsoft.com/office/powerpoint/2010/main" val="4203247886"/>
+      </p:ext>
+    </p:extLst>
+  </p:cSld>
+  <p:clrMapOvr>
+    <a:masterClrMapping/>
+  </p:clrMapOvr>
+</p:sld>
+</file>
+
+<file path=ppt/slides/slide11.xml><?xml version="1.0" encoding="utf-8"?>
+<p:sld xmlns:a="http://schemas.openxmlformats.org/drawingml/2006/main" xmlns:r="http://schemas.openxmlformats.org/officeDocument/2006/relationships" xmlns:p="http://schemas.openxmlformats.org/presentationml/2006/main">
+  <p:cSld>
+    <p:spTree>
+      <p:nvGrpSpPr>
+        <p:cNvPr id="1" name=""/>
+        <p:cNvGrpSpPr/>
+        <p:nvPr/>
+      </p:nvGrpSpPr>
+      <p:grpSpPr>
+        <a:xfrm>
+          <a:off x="0" y="0"/>
+          <a:ext cx="0" cy="0"/>
+          <a:chOff x="0" y="0"/>
+          <a:chExt cx="0" cy="0"/>
+        </a:xfrm>
+      </p:grpSpPr>
+      <p:sp>
+        <p:nvSpPr>
+          <p:cNvPr id="2" name="Title 1">
+            <a:extLst>
+              <a:ext uri="{FF2B5EF4-FFF2-40B4-BE49-F238E27FC236}">
+                <a16:creationId xmlns:a16="http://schemas.microsoft.com/office/drawing/2014/main" id="{FE101D7F-47C9-25E2-4FE3-841F4C914B0D}"/>
+              </a:ext>
+            </a:extLst>
+          </p:cNvPr>
+          <p:cNvSpPr>
+            <a:spLocks noGrp="1"/>
+          </p:cNvSpPr>
+          <p:nvPr>
+            <p:ph type="title"/>
+          </p:nvPr>
+        </p:nvSpPr>
+        <p:spPr/>
+        <p:txBody>
+          <a:bodyPr/>
+          <a:lstStyle/>
+          <a:p>
+            <a:r>
+              <a:rPr lang="en-US" dirty="0" err="1"/>
+              <a:t>dETAIL</a:t>
+            </a:r>
+            <a:r>
+              <a:rPr lang="en-US" dirty="0"/>
+              <a:t> </a:t>
+            </a:r>
+            <a:r>
+              <a:rPr lang="en-US" dirty="0" err="1"/>
+              <a:t>vIEW</a:t>
+            </a:r>
+            <a:endParaRPr lang="en-US" dirty="0"/>
+          </a:p>
+        </p:txBody>
+      </p:sp>
+      <p:sp>
+        <p:nvSpPr>
+          <p:cNvPr id="3" name="Content Placeholder 2">
+            <a:extLst>
+              <a:ext uri="{FF2B5EF4-FFF2-40B4-BE49-F238E27FC236}">
+                <a16:creationId xmlns:a16="http://schemas.microsoft.com/office/drawing/2014/main" id="{CB3742A4-C9FE-8647-CB5B-21E5E5180053}"/>
+              </a:ext>
+            </a:extLst>
+          </p:cNvPr>
+          <p:cNvSpPr>
+            <a:spLocks noGrp="1"/>
+          </p:cNvSpPr>
+          <p:nvPr>
+            <p:ph idx="1"/>
+          </p:nvPr>
+        </p:nvSpPr>
+        <p:spPr/>
+        <p:txBody>
+          <a:bodyPr/>
+          <a:lstStyle/>
+          <a:p>
+            <a:r>
+              <a:rPr lang="en-US" dirty="0">
+                <a:hlinkClick r:id="rId2"/>
+              </a:rPr>
+              <a:t>https://docs.djangoproject.com/en/4.2/ref/class-based-views/generic-display/#generic-display-views</a:t>
+            </a:r>
+            <a:endParaRPr lang="en-US" dirty="0"/>
+          </a:p>
+          <a:p>
+            <a:endParaRPr lang="en-US" dirty="0"/>
+          </a:p>
+          <a:p>
+            <a:r>
+              <a:rPr lang="en-US" dirty="0">
+                <a:hlinkClick r:id="rId3"/>
+              </a:rPr>
+              <a:t>https://docs.djangoproject.com/en/4.2/ref/class-based-views/mixins-single-object/#django.views.generic.detail.SingleObjectMixin</a:t>
+            </a:r>
+            <a:endParaRPr lang="en-US" dirty="0"/>
+          </a:p>
+          <a:p>
+            <a:endParaRPr lang="en-US" dirty="0"/>
+          </a:p>
+        </p:txBody>
+      </p:sp>
+    </p:spTree>
+    <p:extLst>
+      <p:ext uri="{BB962C8B-B14F-4D97-AF65-F5344CB8AC3E}">
+        <p14:creationId xmlns:p14="http://schemas.microsoft.com/office/powerpoint/2010/main" val="1163504179"/>
+      </p:ext>
+    </p:extLst>
+  </p:cSld>
+  <p:clrMapOvr>
+    <a:masterClrMapping/>
+  </p:clrMapOvr>
+</p:sld>
+</file>
+
+<file path=ppt/slides/slide12.xml><?xml version="1.0" encoding="utf-8"?>
+<p:sld xmlns:a="http://schemas.openxmlformats.org/drawingml/2006/main" xmlns:r="http://schemas.openxmlformats.org/officeDocument/2006/relationships" xmlns:p="http://schemas.openxmlformats.org/presentationml/2006/main">
+  <p:cSld>
+    <p:spTree>
+      <p:nvGrpSpPr>
+        <p:cNvPr id="1" name=""/>
+        <p:cNvGrpSpPr/>
+        <p:nvPr/>
+      </p:nvGrpSpPr>
+      <p:grpSpPr>
+        <a:xfrm>
+          <a:off x="0" y="0"/>
+          <a:ext cx="0" cy="0"/>
+          <a:chOff x="0" y="0"/>
+          <a:chExt cx="0" cy="0"/>
+        </a:xfrm>
+      </p:grpSpPr>
+      <p:sp>
+        <p:nvSpPr>
+          <p:cNvPr id="2" name="Title 1">
+            <a:extLst>
+              <a:ext uri="{FF2B5EF4-FFF2-40B4-BE49-F238E27FC236}">
+                <a16:creationId xmlns:a16="http://schemas.microsoft.com/office/drawing/2014/main" id="{11CB0604-DF10-9798-49DA-7329CEAB3860}"/>
+              </a:ext>
+            </a:extLst>
+          </p:cNvPr>
+          <p:cNvSpPr>
+            <a:spLocks noGrp="1"/>
+          </p:cNvSpPr>
+          <p:nvPr>
+            <p:ph type="title"/>
+          </p:nvPr>
+        </p:nvSpPr>
+        <p:spPr/>
+        <p:txBody>
+          <a:bodyPr/>
+          <a:lstStyle/>
+          <a:p>
+            <a:r>
+              <a:rPr lang="en-US" dirty="0"/>
+              <a:t>Form View</a:t>
+            </a:r>
+          </a:p>
+        </p:txBody>
+      </p:sp>
+      <p:sp>
+        <p:nvSpPr>
+          <p:cNvPr id="3" name="Content Placeholder 2">
+            <a:extLst>
+              <a:ext uri="{FF2B5EF4-FFF2-40B4-BE49-F238E27FC236}">
+                <a16:creationId xmlns:a16="http://schemas.microsoft.com/office/drawing/2014/main" id="{CA58E9B6-15BA-3B09-4B1A-EA17704338D2}"/>
+              </a:ext>
+            </a:extLst>
+          </p:cNvPr>
+          <p:cNvSpPr>
+            <a:spLocks noGrp="1"/>
+          </p:cNvSpPr>
+          <p:nvPr>
+            <p:ph idx="1"/>
+          </p:nvPr>
+        </p:nvSpPr>
+        <p:spPr/>
+        <p:txBody>
+          <a:bodyPr/>
+          <a:lstStyle/>
+          <a:p>
+            <a:r>
+              <a:rPr lang="en-US" dirty="0">
+                <a:hlinkClick r:id="rId2"/>
+              </a:rPr>
+              <a:t>https://docs.djangoproject.com/en/4.2/ref/class-based-views/generic-editing/</a:t>
+            </a:r>
+          </a:p>
+          <a:p>
+            <a:endParaRPr lang="en-US" dirty="0">
+              <a:hlinkClick r:id="rId2"/>
+            </a:endParaRPr>
+          </a:p>
+          <a:p>
+            <a:r>
+              <a:rPr lang="en-US" dirty="0">
+                <a:hlinkClick r:id="rId2"/>
+              </a:rPr>
+              <a:t>https://docs.djangoproject.com/en/4.2/topics/class-based-views/generic-editing/</a:t>
+            </a:r>
+            <a:endParaRPr lang="en-US" dirty="0"/>
+          </a:p>
+          <a:p>
+            <a:endParaRPr lang="en-US" dirty="0"/>
+          </a:p>
+        </p:txBody>
+      </p:sp>
+    </p:spTree>
+    <p:extLst>
+      <p:ext uri="{BB962C8B-B14F-4D97-AF65-F5344CB8AC3E}">
+        <p14:creationId xmlns:p14="http://schemas.microsoft.com/office/powerpoint/2010/main" val="623876921"/>
+      </p:ext>
+    </p:extLst>
+  </p:cSld>
+  <p:clrMapOvr>
+    <a:masterClrMapping/>
+  </p:clrMapOvr>
+</p:sld>
+</file>
+
+<file path=ppt/slides/slide13.xml><?xml version="1.0" encoding="utf-8"?>
+<p:sld xmlns:a="http://schemas.openxmlformats.org/drawingml/2006/main" xmlns:r="http://schemas.openxmlformats.org/officeDocument/2006/relationships" xmlns:p="http://schemas.openxmlformats.org/presentationml/2006/main">
+  <p:cSld>
+    <p:spTree>
+      <p:nvGrpSpPr>
+        <p:cNvPr id="1" name=""/>
+        <p:cNvGrpSpPr/>
+        <p:nvPr/>
+      </p:nvGrpSpPr>
+      <p:grpSpPr>
+        <a:xfrm>
+          <a:off x="0" y="0"/>
+          <a:ext cx="0" cy="0"/>
+          <a:chOff x="0" y="0"/>
+          <a:chExt cx="0" cy="0"/>
+        </a:xfrm>
+      </p:grpSpPr>
+      <p:sp>
+        <p:nvSpPr>
+          <p:cNvPr id="2" name="Title 1">
+            <a:extLst>
+              <a:ext uri="{FF2B5EF4-FFF2-40B4-BE49-F238E27FC236}">
+                <a16:creationId xmlns:a16="http://schemas.microsoft.com/office/drawing/2014/main" id="{DC431314-6C9D-70A6-BDC2-EDE62BA78DAA}"/>
+              </a:ext>
+            </a:extLst>
+          </p:cNvPr>
+          <p:cNvSpPr>
+            <a:spLocks noGrp="1"/>
+          </p:cNvSpPr>
+          <p:nvPr>
+            <p:ph type="title"/>
+          </p:nvPr>
+        </p:nvSpPr>
+        <p:spPr/>
+        <p:txBody>
+          <a:bodyPr/>
+          <a:lstStyle/>
+          <a:p>
+            <a:r>
+              <a:rPr lang="en-US" dirty="0"/>
+              <a:t>Create view</a:t>
+            </a:r>
+          </a:p>
+        </p:txBody>
+      </p:sp>
+      <p:sp>
+        <p:nvSpPr>
+          <p:cNvPr id="3" name="Content Placeholder 2">
+            <a:extLst>
+              <a:ext uri="{FF2B5EF4-FFF2-40B4-BE49-F238E27FC236}">
+                <a16:creationId xmlns:a16="http://schemas.microsoft.com/office/drawing/2014/main" id="{462C83A5-5EB5-7A90-8999-531F54D559EC}"/>
+              </a:ext>
+            </a:extLst>
+          </p:cNvPr>
+          <p:cNvSpPr>
+            <a:spLocks noGrp="1"/>
+          </p:cNvSpPr>
+          <p:nvPr>
+            <p:ph idx="1"/>
+          </p:nvPr>
+        </p:nvSpPr>
+        <p:spPr/>
+        <p:txBody>
+          <a:bodyPr/>
+          <a:lstStyle/>
+          <a:p>
+            <a:r>
+              <a:rPr lang="en-US" dirty="0">
+                <a:hlinkClick r:id="rId2"/>
+              </a:rPr>
+              <a:t>https://docs.djangoproject.com/en/4.2/ref/class-based-views/generic-editing/#django.views.generic.edit.CreateView</a:t>
+            </a:r>
+            <a:endParaRPr lang="en-US" dirty="0"/>
+          </a:p>
+          <a:p>
+            <a:endParaRPr lang="en-US" dirty="0"/>
+          </a:p>
+        </p:txBody>
+      </p:sp>
+    </p:spTree>
+    <p:extLst>
+      <p:ext uri="{BB962C8B-B14F-4D97-AF65-F5344CB8AC3E}">
+        <p14:creationId xmlns:p14="http://schemas.microsoft.com/office/powerpoint/2010/main" val="1423034409"/>
+      </p:ext>
+    </p:extLst>
+  </p:cSld>
+  <p:clrMapOvr>
+    <a:masterClrMapping/>
+  </p:clrMapOvr>
+</p:sld>
+</file>
+
+<file path=ppt/slides/slide14.xml><?xml version="1.0" encoding="utf-8"?>
+<p:sld xmlns:a="http://schemas.openxmlformats.org/drawingml/2006/main" xmlns:r="http://schemas.openxmlformats.org/officeDocument/2006/relationships" xmlns:p="http://schemas.openxmlformats.org/presentationml/2006/main">
+  <p:cSld>
+    <p:spTree>
+      <p:nvGrpSpPr>
+        <p:cNvPr id="1" name=""/>
+        <p:cNvGrpSpPr/>
+        <p:nvPr/>
+      </p:nvGrpSpPr>
+      <p:grpSpPr>
+        <a:xfrm>
+          <a:off x="0" y="0"/>
+          <a:ext cx="0" cy="0"/>
+          <a:chOff x="0" y="0"/>
+          <a:chExt cx="0" cy="0"/>
+        </a:xfrm>
+      </p:grpSpPr>
+      <p:sp>
+        <p:nvSpPr>
+          <p:cNvPr id="2" name="Title 1">
+            <a:extLst>
+              <a:ext uri="{FF2B5EF4-FFF2-40B4-BE49-F238E27FC236}">
+                <a16:creationId xmlns:a16="http://schemas.microsoft.com/office/drawing/2014/main" id="{91ABA15A-FEFE-1339-7D21-EC792BBF64B7}"/>
+              </a:ext>
+            </a:extLst>
+          </p:cNvPr>
+          <p:cNvSpPr>
+            <a:spLocks noGrp="1"/>
+          </p:cNvSpPr>
+          <p:nvPr>
+            <p:ph type="title"/>
+          </p:nvPr>
+        </p:nvSpPr>
+        <p:spPr/>
+        <p:txBody>
+          <a:bodyPr/>
+          <a:lstStyle/>
+          <a:p>
+            <a:r>
+              <a:rPr lang="en-US" dirty="0"/>
+              <a:t>Update view	</a:t>
+            </a:r>
+          </a:p>
+        </p:txBody>
+      </p:sp>
+      <p:sp>
+        <p:nvSpPr>
+          <p:cNvPr id="3" name="Content Placeholder 2">
+            <a:extLst>
+              <a:ext uri="{FF2B5EF4-FFF2-40B4-BE49-F238E27FC236}">
+                <a16:creationId xmlns:a16="http://schemas.microsoft.com/office/drawing/2014/main" id="{79DF131D-7134-B91F-153E-5C2F549C0AD1}"/>
+              </a:ext>
+            </a:extLst>
+          </p:cNvPr>
+          <p:cNvSpPr>
+            <a:spLocks noGrp="1"/>
+          </p:cNvSpPr>
+          <p:nvPr>
+            <p:ph idx="1"/>
+          </p:nvPr>
+        </p:nvSpPr>
+        <p:spPr/>
+        <p:txBody>
+          <a:bodyPr/>
+          <a:lstStyle/>
+          <a:p>
+            <a:r>
+              <a:rPr lang="en-US" dirty="0">
+                <a:hlinkClick r:id="rId2"/>
+              </a:rPr>
+              <a:t>https://docs.djangoproject.com/en/4.2/ref/class-based-views/generic-editing/#django.views.generic.edit.UpdateView</a:t>
+            </a:r>
+            <a:endParaRPr lang="en-US" dirty="0"/>
+          </a:p>
+          <a:p>
+            <a:endParaRPr lang="en-US" dirty="0"/>
+          </a:p>
+        </p:txBody>
+      </p:sp>
+    </p:spTree>
+    <p:extLst>
+      <p:ext uri="{BB962C8B-B14F-4D97-AF65-F5344CB8AC3E}">
+        <p14:creationId xmlns:p14="http://schemas.microsoft.com/office/powerpoint/2010/main" val="2250888114"/>
+      </p:ext>
+    </p:extLst>
+  </p:cSld>
+  <p:clrMapOvr>
+    <a:masterClrMapping/>
+  </p:clrMapOvr>
+</p:sld>
+</file>
+
+<file path=ppt/slides/slide15.xml><?xml version="1.0" encoding="utf-8"?>
+<p:sld xmlns:a="http://schemas.openxmlformats.org/drawingml/2006/main" xmlns:r="http://schemas.openxmlformats.org/officeDocument/2006/relationships" xmlns:p="http://schemas.openxmlformats.org/presentationml/2006/main">
+  <p:cSld>
+    <p:spTree>
+      <p:nvGrpSpPr>
+        <p:cNvPr id="1" name=""/>
+        <p:cNvGrpSpPr/>
+        <p:nvPr/>
+      </p:nvGrpSpPr>
+      <p:grpSpPr>
+        <a:xfrm>
+          <a:off x="0" y="0"/>
+          <a:ext cx="0" cy="0"/>
+          <a:chOff x="0" y="0"/>
+          <a:chExt cx="0" cy="0"/>
+        </a:xfrm>
+      </p:grpSpPr>
+      <p:sp>
+        <p:nvSpPr>
+          <p:cNvPr id="2" name="Title 1">
+            <a:extLst>
+              <a:ext uri="{FF2B5EF4-FFF2-40B4-BE49-F238E27FC236}">
+                <a16:creationId xmlns:a16="http://schemas.microsoft.com/office/drawing/2014/main" id="{36EAFDCD-F5A7-D97D-9183-936A7E28530F}"/>
+              </a:ext>
+            </a:extLst>
+          </p:cNvPr>
+          <p:cNvSpPr>
+            <a:spLocks noGrp="1"/>
+          </p:cNvSpPr>
+          <p:nvPr>
+            <p:ph type="title"/>
+          </p:nvPr>
+        </p:nvSpPr>
+        <p:spPr/>
+        <p:txBody>
+          <a:bodyPr/>
+          <a:lstStyle/>
+          <a:p>
+            <a:r>
+              <a:rPr lang="en-US" dirty="0"/>
+              <a:t>Delete view</a:t>
+            </a:r>
+          </a:p>
+        </p:txBody>
+      </p:sp>
+      <p:sp>
+        <p:nvSpPr>
+          <p:cNvPr id="3" name="Content Placeholder 2">
+            <a:extLst>
+              <a:ext uri="{FF2B5EF4-FFF2-40B4-BE49-F238E27FC236}">
+                <a16:creationId xmlns:a16="http://schemas.microsoft.com/office/drawing/2014/main" id="{D7417B26-4EEE-8269-6AC4-A38A237E34A4}"/>
+              </a:ext>
+            </a:extLst>
+          </p:cNvPr>
+          <p:cNvSpPr>
+            <a:spLocks noGrp="1"/>
+          </p:cNvSpPr>
+          <p:nvPr>
+            <p:ph idx="1"/>
+          </p:nvPr>
+        </p:nvSpPr>
+        <p:spPr/>
+        <p:txBody>
+          <a:bodyPr/>
+          <a:lstStyle/>
+          <a:p>
+            <a:r>
+              <a:rPr lang="en-US" dirty="0">
+                <a:hlinkClick r:id="rId2"/>
+              </a:rPr>
+              <a:t>https://docs.djangoproject.com/en/4.2/ref/class-based-views/generic-editing/#django.views.generic.edit.DeleteView</a:t>
+            </a:r>
+            <a:endParaRPr lang="en-US" dirty="0"/>
+          </a:p>
+          <a:p>
+            <a:endParaRPr lang="en-US" dirty="0"/>
+          </a:p>
+        </p:txBody>
+      </p:sp>
+    </p:spTree>
+    <p:extLst>
+      <p:ext uri="{BB962C8B-B14F-4D97-AF65-F5344CB8AC3E}">
+        <p14:creationId xmlns:p14="http://schemas.microsoft.com/office/powerpoint/2010/main" val="300354455"/>
+      </p:ext>
+    </p:extLst>
+  </p:cSld>
+  <p:clrMapOvr>
+    <a:masterClrMapping/>
+  </p:clrMapOvr>
+</p:sld>
+</file>
+
+<file path=ppt/slides/slide16.xml><?xml version="1.0" encoding="utf-8"?>
+<p:sld xmlns:a="http://schemas.openxmlformats.org/drawingml/2006/main" xmlns:r="http://schemas.openxmlformats.org/officeDocument/2006/relationships" xmlns:p="http://schemas.openxmlformats.org/presentationml/2006/main">
+  <p:cSld>
+    <p:spTree>
+      <p:nvGrpSpPr>
+        <p:cNvPr id="1" name=""/>
+        <p:cNvGrpSpPr/>
+        <p:nvPr/>
+      </p:nvGrpSpPr>
+      <p:grpSpPr>
+        <a:xfrm>
+          <a:off x="0" y="0"/>
+          <a:ext cx="0" cy="0"/>
+          <a:chOff x="0" y="0"/>
+          <a:chExt cx="0" cy="0"/>
+        </a:xfrm>
+      </p:grpSpPr>
+      <p:sp>
+        <p:nvSpPr>
+          <p:cNvPr id="2" name="Title 1">
+            <a:extLst>
+              <a:ext uri="{FF2B5EF4-FFF2-40B4-BE49-F238E27FC236}">
+                <a16:creationId xmlns:a16="http://schemas.microsoft.com/office/drawing/2014/main" id="{3FB38B76-F1DF-F313-D7CA-ACAEDA02F283}"/>
+              </a:ext>
+            </a:extLst>
+          </p:cNvPr>
+          <p:cNvSpPr>
+            <a:spLocks noGrp="1"/>
+          </p:cNvSpPr>
+          <p:nvPr>
+            <p:ph type="title"/>
+          </p:nvPr>
+        </p:nvSpPr>
+        <p:spPr/>
+        <p:txBody>
+          <a:bodyPr/>
+          <a:lstStyle/>
+          <a:p>
+            <a:r>
+              <a:rPr lang="en-US" dirty="0"/>
+              <a:t>Django </a:t>
+            </a:r>
+            <a:r>
+              <a:rPr lang="en-US" dirty="0" err="1"/>
+              <a:t>contrib</a:t>
+            </a:r>
+            <a:r>
+              <a:rPr lang="en-US" dirty="0"/>
+              <a:t> auth </a:t>
+            </a:r>
+            <a:r>
+              <a:rPr lang="en-US" dirty="0" err="1"/>
+              <a:t>mixins</a:t>
+            </a:r>
+            <a:endParaRPr lang="en-US" dirty="0"/>
+          </a:p>
+        </p:txBody>
+      </p:sp>
+      <p:sp>
+        <p:nvSpPr>
+          <p:cNvPr id="3" name="Content Placeholder 2">
+            <a:extLst>
+              <a:ext uri="{FF2B5EF4-FFF2-40B4-BE49-F238E27FC236}">
+                <a16:creationId xmlns:a16="http://schemas.microsoft.com/office/drawing/2014/main" id="{C0B6315F-6014-4362-87F2-0248F27D6E7D}"/>
+              </a:ext>
+            </a:extLst>
+          </p:cNvPr>
+          <p:cNvSpPr>
+            <a:spLocks noGrp="1"/>
+          </p:cNvSpPr>
+          <p:nvPr>
+            <p:ph idx="1"/>
+          </p:nvPr>
+        </p:nvSpPr>
+        <p:spPr/>
+        <p:txBody>
+          <a:bodyPr/>
+          <a:lstStyle/>
+          <a:p>
+            <a:endParaRPr lang="en-US"/>
+          </a:p>
+        </p:txBody>
+      </p:sp>
+    </p:spTree>
+    <p:extLst>
+      <p:ext uri="{BB962C8B-B14F-4D97-AF65-F5344CB8AC3E}">
+        <p14:creationId xmlns:p14="http://schemas.microsoft.com/office/powerpoint/2010/main" val="930272456"/>
+      </p:ext>
+    </p:extLst>
+  </p:cSld>
+  <p:clrMapOvr>
+    <a:masterClrMapping/>
+  </p:clrMapOvr>
+</p:sld>
+</file>
+
+<file path=ppt/slides/slide17.xml><?xml version="1.0" encoding="utf-8"?>
+<p:sld xmlns:a="http://schemas.openxmlformats.org/drawingml/2006/main" xmlns:r="http://schemas.openxmlformats.org/officeDocument/2006/relationships" xmlns:p="http://schemas.openxmlformats.org/presentationml/2006/main">
+  <p:cSld>
+    <p:spTree>
+      <p:nvGrpSpPr>
+        <p:cNvPr id="1" name=""/>
+        <p:cNvGrpSpPr/>
+        <p:nvPr/>
+      </p:nvGrpSpPr>
+      <p:grpSpPr>
+        <a:xfrm>
+          <a:off x="0" y="0"/>
+          <a:ext cx="0" cy="0"/>
+          <a:chOff x="0" y="0"/>
+          <a:chExt cx="0" cy="0"/>
+        </a:xfrm>
+      </p:grpSpPr>
+      <p:sp>
+        <p:nvSpPr>
+          <p:cNvPr id="2" name="Title 1">
+            <a:extLst>
+              <a:ext uri="{FF2B5EF4-FFF2-40B4-BE49-F238E27FC236}">
+                <a16:creationId xmlns:a16="http://schemas.microsoft.com/office/drawing/2014/main" id="{19C27AAB-22E9-6D75-DF0E-D42E08ED50F6}"/>
+              </a:ext>
+            </a:extLst>
+          </p:cNvPr>
+          <p:cNvSpPr>
+            <a:spLocks noGrp="1"/>
+          </p:cNvSpPr>
+          <p:nvPr>
+            <p:ph type="title"/>
+          </p:nvPr>
+        </p:nvSpPr>
+        <p:spPr/>
+        <p:txBody>
+          <a:bodyPr/>
+          <a:lstStyle/>
+          <a:p>
+            <a:r>
+              <a:rPr lang="en-US" dirty="0"/>
+              <a:t>Login required </a:t>
+            </a:r>
+            <a:r>
+              <a:rPr lang="en-US" dirty="0" err="1"/>
+              <a:t>mixin</a:t>
+            </a:r>
+            <a:endParaRPr lang="en-US" dirty="0"/>
+          </a:p>
+        </p:txBody>
+      </p:sp>
+      <p:sp>
+        <p:nvSpPr>
+          <p:cNvPr id="3" name="Content Placeholder 2">
+            <a:extLst>
+              <a:ext uri="{FF2B5EF4-FFF2-40B4-BE49-F238E27FC236}">
+                <a16:creationId xmlns:a16="http://schemas.microsoft.com/office/drawing/2014/main" id="{4CD7B110-6431-9464-E7BE-84AC299AA277}"/>
+              </a:ext>
+            </a:extLst>
+          </p:cNvPr>
+          <p:cNvSpPr>
+            <a:spLocks noGrp="1"/>
+          </p:cNvSpPr>
+          <p:nvPr>
+            <p:ph idx="1"/>
+          </p:nvPr>
+        </p:nvSpPr>
+        <p:spPr/>
+        <p:txBody>
+          <a:bodyPr/>
+          <a:lstStyle/>
+          <a:p>
+            <a:endParaRPr lang="en-US"/>
+          </a:p>
+        </p:txBody>
+      </p:sp>
+    </p:spTree>
+    <p:extLst>
+      <p:ext uri="{BB962C8B-B14F-4D97-AF65-F5344CB8AC3E}">
+        <p14:creationId xmlns:p14="http://schemas.microsoft.com/office/powerpoint/2010/main" val="3154609823"/>
+      </p:ext>
+    </p:extLst>
+  </p:cSld>
+  <p:clrMapOvr>
+    <a:masterClrMapping/>
+  </p:clrMapOvr>
+</p:sld>
+</file>
+
 <file path=ppt/slides/slide2.xml><?xml version="1.0" encoding="utf-8"?>
 <p:sld xmlns:a="http://schemas.openxmlformats.org/drawingml/2006/main" xmlns:r="http://schemas.openxmlformats.org/officeDocument/2006/relationships" xmlns:p="http://schemas.openxmlformats.org/presentationml/2006/main">
   <p:cSld>
@@ -5470,7 +6253,7 @@
           <p:cNvPr id="2" name="Title 1">
             <a:extLst>
               <a:ext uri="{FF2B5EF4-FFF2-40B4-BE49-F238E27FC236}">
-                <a16:creationId xmlns:a16="http://schemas.microsoft.com/office/drawing/2014/main" id="{B2BB3E30-4B22-6B52-3F48-A5C874B81C01}"/>
+                <a16:creationId xmlns:a16="http://schemas.microsoft.com/office/drawing/2014/main" id="{DD45BA3E-C747-8790-28A9-D31783C7D8FA}"/>
               </a:ext>
             </a:extLst>
           </p:cNvPr>
@@ -5478,36 +6261,88 @@
             <a:spLocks noGrp="1"/>
           </p:cNvSpPr>
           <p:nvPr>
-            <p:ph type="ctrTitle"/>
-          </p:nvPr>
-        </p:nvSpPr>
-        <p:spPr>
-          <a:xfrm>
-            <a:off x="665813" y="4120688"/>
-            <a:ext cx="7772400" cy="1463040"/>
-          </a:xfrm>
-        </p:spPr>
-        <p:txBody>
-          <a:bodyPr>
-            <a:normAutofit/>
-          </a:bodyPr>
-          <a:lstStyle/>
-          <a:p>
-            <a:pPr algn="l"/>
+            <p:ph type="title"/>
+          </p:nvPr>
+        </p:nvSpPr>
+        <p:spPr/>
+        <p:txBody>
+          <a:bodyPr/>
+          <a:lstStyle/>
+          <a:p>
+            <a:r>
+              <a:rPr lang="en-US" dirty="0"/>
+              <a:t>Inherit form </a:t>
+            </a:r>
             <a:r>
               <a:rPr lang="en-US" dirty="0">
-                <a:latin typeface="Calibri" panose="020F0502020204030204" pitchFamily="34" charset="0"/>
-                <a:cs typeface="Calibri" panose="020F0502020204030204" pitchFamily="34" charset="0"/>
+                <a:solidFill>
+                  <a:srgbClr val="FF0000"/>
+                </a:solidFill>
               </a:rPr>
-              <a:t>Template View</a:t>
-            </a:r>
+              <a:t>View </a:t>
+            </a:r>
+          </a:p>
+        </p:txBody>
+      </p:sp>
+      <p:sp>
+        <p:nvSpPr>
+          <p:cNvPr id="3" name="Content Placeholder 2">
+            <a:extLst>
+              <a:ext uri="{FF2B5EF4-FFF2-40B4-BE49-F238E27FC236}">
+                <a16:creationId xmlns:a16="http://schemas.microsoft.com/office/drawing/2014/main" id="{645EBE5C-F80F-4ECD-5B7C-D6A6271545E5}"/>
+              </a:ext>
+            </a:extLst>
+          </p:cNvPr>
+          <p:cNvSpPr>
+            <a:spLocks noGrp="1"/>
+          </p:cNvSpPr>
+          <p:nvPr>
+            <p:ph idx="1"/>
+          </p:nvPr>
+        </p:nvSpPr>
+        <p:spPr/>
+        <p:txBody>
+          <a:bodyPr/>
+          <a:lstStyle/>
+          <a:p>
+            <a:r>
+              <a:rPr lang="en-US" dirty="0">
+                <a:hlinkClick r:id="rId2"/>
+              </a:rPr>
+              <a:t>https://docs.djangoproject.com/en/4.2/topics/class-based-views/intro/</a:t>
+            </a:r>
+            <a:endParaRPr lang="en-US" dirty="0"/>
+          </a:p>
+          <a:p>
+            <a:endParaRPr lang="en-US" dirty="0"/>
+          </a:p>
+          <a:p>
+            <a:r>
+              <a:rPr lang="en-US" dirty="0"/>
+              <a:t>Implement </a:t>
+            </a:r>
+          </a:p>
+          <a:p>
+            <a:r>
+              <a:rPr lang="en-US" dirty="0"/>
+              <a:t>Get, post, put, patch, delete </a:t>
+            </a:r>
+          </a:p>
+          <a:p>
+            <a:r>
+              <a:rPr lang="en-US" dirty="0"/>
+              <a:t>methods</a:t>
+            </a:r>
+          </a:p>
+          <a:p>
+            <a:endParaRPr lang="en-US" dirty="0"/>
           </a:p>
         </p:txBody>
       </p:sp>
     </p:spTree>
     <p:extLst>
       <p:ext uri="{BB962C8B-B14F-4D97-AF65-F5344CB8AC3E}">
-        <p14:creationId xmlns:p14="http://schemas.microsoft.com/office/powerpoint/2010/main" val="1655546844"/>
+        <p14:creationId xmlns:p14="http://schemas.microsoft.com/office/powerpoint/2010/main" val="1702358915"/>
       </p:ext>
     </p:extLst>
   </p:cSld>
@@ -5539,7 +6374,7 @@
           <p:cNvPr id="2" name="Title 1">
             <a:extLst>
               <a:ext uri="{FF2B5EF4-FFF2-40B4-BE49-F238E27FC236}">
-                <a16:creationId xmlns:a16="http://schemas.microsoft.com/office/drawing/2014/main" id="{32B6F87F-9CBE-1B45-F439-73ED31B357B9}"/>
+                <a16:creationId xmlns:a16="http://schemas.microsoft.com/office/drawing/2014/main" id="{9E674AF3-82CF-F83F-D433-B5624414019E}"/>
               </a:ext>
             </a:extLst>
           </p:cNvPr>
@@ -5556,11 +6391,8 @@
           <a:lstStyle/>
           <a:p>
             <a:r>
-              <a:rPr lang="en-US" dirty="0">
-                <a:latin typeface="Calibri" panose="020F0502020204030204" pitchFamily="34" charset="0"/>
-                <a:cs typeface="Calibri" panose="020F0502020204030204" pitchFamily="34" charset="0"/>
-              </a:rPr>
-              <a:t>Template View</a:t>
+              <a:rPr lang="en-US" dirty="0"/>
+              <a:t>Generics view</a:t>
             </a:r>
           </a:p>
         </p:txBody>
@@ -5570,7 +6402,7 @@
           <p:cNvPr id="3" name="Content Placeholder 2">
             <a:extLst>
               <a:ext uri="{FF2B5EF4-FFF2-40B4-BE49-F238E27FC236}">
-                <a16:creationId xmlns:a16="http://schemas.microsoft.com/office/drawing/2014/main" id="{98005D4F-0833-44EB-7584-C8C5E53CBD7C}"/>
+                <a16:creationId xmlns:a16="http://schemas.microsoft.com/office/drawing/2014/main" id="{B65A3C51-E72A-08FA-9DDA-80F477E555AE}"/>
               </a:ext>
             </a:extLst>
           </p:cNvPr>
@@ -5583,111 +6415,17 @@
         </p:nvSpPr>
         <p:spPr/>
         <p:txBody>
-          <a:bodyPr>
-            <a:normAutofit fontScale="92500" lnSpcReduction="20000"/>
-          </a:bodyPr>
-          <a:lstStyle/>
-          <a:p>
-            <a:r>
-              <a:rPr lang="en-US" sz="2800" dirty="0">
-                <a:latin typeface="Calibri" panose="020F0502020204030204" pitchFamily="34" charset="0"/>
-                <a:cs typeface="Calibri" panose="020F0502020204030204" pitchFamily="34" charset="0"/>
-              </a:rPr>
-              <a:t>show index.html with function and class based</a:t>
-            </a:r>
-          </a:p>
-          <a:p>
-            <a:r>
-              <a:rPr lang="en-US" sz="2800" dirty="0">
-                <a:latin typeface="Calibri" panose="020F0502020204030204" pitchFamily="34" charset="0"/>
-                <a:cs typeface="Calibri" panose="020F0502020204030204" pitchFamily="34" charset="0"/>
-              </a:rPr>
-              <a:t>In Django doc use </a:t>
-            </a:r>
-            <a:r>
-              <a:rPr lang="en-US" sz="2800" dirty="0" err="1">
-                <a:latin typeface="Calibri" panose="020F0502020204030204" pitchFamily="34" charset="0"/>
-                <a:cs typeface="Calibri" panose="020F0502020204030204" pitchFamily="34" charset="0"/>
-              </a:rPr>
-              <a:t>templateview</a:t>
-            </a:r>
-            <a:endParaRPr lang="en-US" sz="2800" dirty="0">
-              <a:latin typeface="Calibri" panose="020F0502020204030204" pitchFamily="34" charset="0"/>
-              <a:cs typeface="Calibri" panose="020F0502020204030204" pitchFamily="34" charset="0"/>
-            </a:endParaRPr>
-          </a:p>
-          <a:p>
-            <a:r>
-              <a:rPr lang="en-US" sz="2800" dirty="0">
-                <a:latin typeface="Calibri" panose="020F0502020204030204" pitchFamily="34" charset="0"/>
-                <a:cs typeface="Calibri" panose="020F0502020204030204" pitchFamily="34" charset="0"/>
-              </a:rPr>
-              <a:t>See parents of </a:t>
-            </a:r>
-            <a:r>
-              <a:rPr lang="en-US" sz="2800" dirty="0" err="1">
-                <a:latin typeface="Calibri" panose="020F0502020204030204" pitchFamily="34" charset="0"/>
-                <a:cs typeface="Calibri" panose="020F0502020204030204" pitchFamily="34" charset="0"/>
-              </a:rPr>
-              <a:t>templateview</a:t>
-            </a:r>
-            <a:endParaRPr lang="en-US" sz="2800" dirty="0">
-              <a:latin typeface="Calibri" panose="020F0502020204030204" pitchFamily="34" charset="0"/>
-              <a:cs typeface="Calibri" panose="020F0502020204030204" pitchFamily="34" charset="0"/>
-            </a:endParaRPr>
-          </a:p>
-          <a:p>
-            <a:endParaRPr lang="en-US" sz="2800" dirty="0">
-              <a:latin typeface="Calibri" panose="020F0502020204030204" pitchFamily="34" charset="0"/>
-              <a:cs typeface="Calibri" panose="020F0502020204030204" pitchFamily="34" charset="0"/>
-            </a:endParaRPr>
-          </a:p>
-          <a:p>
-            <a:r>
-              <a:rPr lang="en-US" sz="2800" dirty="0">
-                <a:latin typeface="Calibri" panose="020F0502020204030204" pitchFamily="34" charset="0"/>
-                <a:cs typeface="Calibri" panose="020F0502020204030204" pitchFamily="34" charset="0"/>
-                <a:hlinkClick r:id="rId2"/>
-              </a:rPr>
-              <a:t>https://docs.djangoproject.com/en/4.2/topics/class-based-views/</a:t>
-            </a:r>
-            <a:endParaRPr lang="en-US" sz="2800" dirty="0">
-              <a:latin typeface="Calibri" panose="020F0502020204030204" pitchFamily="34" charset="0"/>
-              <a:cs typeface="Calibri" panose="020F0502020204030204" pitchFamily="34" charset="0"/>
-            </a:endParaRPr>
-          </a:p>
-          <a:p>
-            <a:r>
-              <a:rPr lang="en-US" sz="2800" dirty="0">
-                <a:latin typeface="Calibri" panose="020F0502020204030204" pitchFamily="34" charset="0"/>
-                <a:cs typeface="Calibri" panose="020F0502020204030204" pitchFamily="34" charset="0"/>
-                <a:hlinkClick r:id="rId3"/>
-              </a:rPr>
-              <a:t>https://docs.djangoproject.com/en/4.2/ref/class-based-views/base/#django.views.generic.base.TemplateView</a:t>
-            </a:r>
-            <a:endParaRPr lang="en-US" sz="2800" dirty="0">
-              <a:latin typeface="Calibri" panose="020F0502020204030204" pitchFamily="34" charset="0"/>
-              <a:cs typeface="Calibri" panose="020F0502020204030204" pitchFamily="34" charset="0"/>
-            </a:endParaRPr>
-          </a:p>
-          <a:p>
-            <a:endParaRPr lang="en-US" sz="2800" dirty="0">
-              <a:latin typeface="Calibri" panose="020F0502020204030204" pitchFamily="34" charset="0"/>
-              <a:cs typeface="Calibri" panose="020F0502020204030204" pitchFamily="34" charset="0"/>
-            </a:endParaRPr>
-          </a:p>
-          <a:p>
-            <a:endParaRPr lang="en-US" sz="2800" dirty="0">
-              <a:latin typeface="Calibri" panose="020F0502020204030204" pitchFamily="34" charset="0"/>
-              <a:cs typeface="Calibri" panose="020F0502020204030204" pitchFamily="34" charset="0"/>
-            </a:endParaRPr>
+          <a:bodyPr/>
+          <a:lstStyle/>
+          <a:p>
+            <a:endParaRPr lang="en-US"/>
           </a:p>
         </p:txBody>
       </p:sp>
     </p:spTree>
     <p:extLst>
       <p:ext uri="{BB962C8B-B14F-4D97-AF65-F5344CB8AC3E}">
-        <p14:creationId xmlns:p14="http://schemas.microsoft.com/office/powerpoint/2010/main" val="1121027950"/>
+        <p14:creationId xmlns:p14="http://schemas.microsoft.com/office/powerpoint/2010/main" val="1568019341"/>
       </p:ext>
     </p:extLst>
   </p:cSld>
@@ -5732,7 +6470,7 @@
         </p:nvSpPr>
         <p:spPr>
           <a:xfrm>
-            <a:off x="815715" y="4120688"/>
+            <a:off x="665813" y="4120688"/>
             <a:ext cx="7772400" cy="1463040"/>
           </a:xfrm>
         </p:spPr>
@@ -5748,7 +6486,7 @@
                 <a:latin typeface="Calibri" panose="020F0502020204030204" pitchFamily="34" charset="0"/>
                 <a:cs typeface="Calibri" panose="020F0502020204030204" pitchFamily="34" charset="0"/>
               </a:rPr>
-              <a:t>Redirect View</a:t>
+              <a:t>Template View</a:t>
             </a:r>
           </a:p>
         </p:txBody>
@@ -5756,7 +6494,7 @@
     </p:spTree>
     <p:extLst>
       <p:ext uri="{BB962C8B-B14F-4D97-AF65-F5344CB8AC3E}">
-        <p14:creationId xmlns:p14="http://schemas.microsoft.com/office/powerpoint/2010/main" val="1751547824"/>
+        <p14:creationId xmlns:p14="http://schemas.microsoft.com/office/powerpoint/2010/main" val="1655546844"/>
       </p:ext>
     </p:extLst>
   </p:cSld>
@@ -5788,6 +6526,255 @@
           <p:cNvPr id="2" name="Title 1">
             <a:extLst>
               <a:ext uri="{FF2B5EF4-FFF2-40B4-BE49-F238E27FC236}">
+                <a16:creationId xmlns:a16="http://schemas.microsoft.com/office/drawing/2014/main" id="{32B6F87F-9CBE-1B45-F439-73ED31B357B9}"/>
+              </a:ext>
+            </a:extLst>
+          </p:cNvPr>
+          <p:cNvSpPr>
+            <a:spLocks noGrp="1"/>
+          </p:cNvSpPr>
+          <p:nvPr>
+            <p:ph type="title"/>
+          </p:nvPr>
+        </p:nvSpPr>
+        <p:spPr/>
+        <p:txBody>
+          <a:bodyPr/>
+          <a:lstStyle/>
+          <a:p>
+            <a:r>
+              <a:rPr lang="en-US" dirty="0">
+                <a:latin typeface="Calibri" panose="020F0502020204030204" pitchFamily="34" charset="0"/>
+                <a:cs typeface="Calibri" panose="020F0502020204030204" pitchFamily="34" charset="0"/>
+              </a:rPr>
+              <a:t>Template View</a:t>
+            </a:r>
+          </a:p>
+        </p:txBody>
+      </p:sp>
+      <p:sp>
+        <p:nvSpPr>
+          <p:cNvPr id="3" name="Content Placeholder 2">
+            <a:extLst>
+              <a:ext uri="{FF2B5EF4-FFF2-40B4-BE49-F238E27FC236}">
+                <a16:creationId xmlns:a16="http://schemas.microsoft.com/office/drawing/2014/main" id="{98005D4F-0833-44EB-7584-C8C5E53CBD7C}"/>
+              </a:ext>
+            </a:extLst>
+          </p:cNvPr>
+          <p:cNvSpPr>
+            <a:spLocks noGrp="1"/>
+          </p:cNvSpPr>
+          <p:nvPr>
+            <p:ph idx="1"/>
+          </p:nvPr>
+        </p:nvSpPr>
+        <p:spPr/>
+        <p:txBody>
+          <a:bodyPr>
+            <a:normAutofit fontScale="92500" lnSpcReduction="20000"/>
+          </a:bodyPr>
+          <a:lstStyle/>
+          <a:p>
+            <a:r>
+              <a:rPr lang="en-US" sz="2800" dirty="0">
+                <a:latin typeface="Calibri" panose="020F0502020204030204" pitchFamily="34" charset="0"/>
+                <a:cs typeface="Calibri" panose="020F0502020204030204" pitchFamily="34" charset="0"/>
+              </a:rPr>
+              <a:t>show index.html with function and class based</a:t>
+            </a:r>
+          </a:p>
+          <a:p>
+            <a:r>
+              <a:rPr lang="en-US" sz="2800" dirty="0">
+                <a:latin typeface="Calibri" panose="020F0502020204030204" pitchFamily="34" charset="0"/>
+                <a:cs typeface="Calibri" panose="020F0502020204030204" pitchFamily="34" charset="0"/>
+              </a:rPr>
+              <a:t>In Django doc use </a:t>
+            </a:r>
+            <a:r>
+              <a:rPr lang="en-US" sz="2800" dirty="0" err="1">
+                <a:latin typeface="Calibri" panose="020F0502020204030204" pitchFamily="34" charset="0"/>
+                <a:cs typeface="Calibri" panose="020F0502020204030204" pitchFamily="34" charset="0"/>
+              </a:rPr>
+              <a:t>templateview</a:t>
+            </a:r>
+            <a:endParaRPr lang="en-US" sz="2800" dirty="0">
+              <a:latin typeface="Calibri" panose="020F0502020204030204" pitchFamily="34" charset="0"/>
+              <a:cs typeface="Calibri" panose="020F0502020204030204" pitchFamily="34" charset="0"/>
+            </a:endParaRPr>
+          </a:p>
+          <a:p>
+            <a:r>
+              <a:rPr lang="en-US" sz="2800" dirty="0">
+                <a:latin typeface="Calibri" panose="020F0502020204030204" pitchFamily="34" charset="0"/>
+                <a:cs typeface="Calibri" panose="020F0502020204030204" pitchFamily="34" charset="0"/>
+              </a:rPr>
+              <a:t>See parents of </a:t>
+            </a:r>
+            <a:r>
+              <a:rPr lang="en-US" sz="2800" dirty="0" err="1">
+                <a:latin typeface="Calibri" panose="020F0502020204030204" pitchFamily="34" charset="0"/>
+                <a:cs typeface="Calibri" panose="020F0502020204030204" pitchFamily="34" charset="0"/>
+              </a:rPr>
+              <a:t>templateview</a:t>
+            </a:r>
+            <a:endParaRPr lang="en-US" sz="2800" dirty="0">
+              <a:latin typeface="Calibri" panose="020F0502020204030204" pitchFamily="34" charset="0"/>
+              <a:cs typeface="Calibri" panose="020F0502020204030204" pitchFamily="34" charset="0"/>
+            </a:endParaRPr>
+          </a:p>
+          <a:p>
+            <a:endParaRPr lang="en-US" sz="2800" dirty="0">
+              <a:latin typeface="Calibri" panose="020F0502020204030204" pitchFamily="34" charset="0"/>
+              <a:cs typeface="Calibri" panose="020F0502020204030204" pitchFamily="34" charset="0"/>
+            </a:endParaRPr>
+          </a:p>
+          <a:p>
+            <a:r>
+              <a:rPr lang="en-US" sz="2800" dirty="0">
+                <a:latin typeface="Calibri" panose="020F0502020204030204" pitchFamily="34" charset="0"/>
+                <a:cs typeface="Calibri" panose="020F0502020204030204" pitchFamily="34" charset="0"/>
+                <a:hlinkClick r:id="rId2"/>
+              </a:rPr>
+              <a:t>https://docs.djangoproject.com/en/4.2/topics/class-based-views/</a:t>
+            </a:r>
+            <a:endParaRPr lang="en-US" sz="2800" dirty="0">
+              <a:latin typeface="Calibri" panose="020F0502020204030204" pitchFamily="34" charset="0"/>
+              <a:cs typeface="Calibri" panose="020F0502020204030204" pitchFamily="34" charset="0"/>
+            </a:endParaRPr>
+          </a:p>
+          <a:p>
+            <a:r>
+              <a:rPr lang="en-US" sz="2800" dirty="0">
+                <a:latin typeface="Calibri" panose="020F0502020204030204" pitchFamily="34" charset="0"/>
+                <a:cs typeface="Calibri" panose="020F0502020204030204" pitchFamily="34" charset="0"/>
+                <a:hlinkClick r:id="rId3"/>
+              </a:rPr>
+              <a:t>https://docs.djangoproject.com/en/4.2/ref/class-based-views/base/#django.views.generic.base.TemplateView</a:t>
+            </a:r>
+            <a:endParaRPr lang="en-US" sz="2800" dirty="0">
+              <a:latin typeface="Calibri" panose="020F0502020204030204" pitchFamily="34" charset="0"/>
+              <a:cs typeface="Calibri" panose="020F0502020204030204" pitchFamily="34" charset="0"/>
+            </a:endParaRPr>
+          </a:p>
+          <a:p>
+            <a:endParaRPr lang="en-US" sz="2800" dirty="0">
+              <a:latin typeface="Calibri" panose="020F0502020204030204" pitchFamily="34" charset="0"/>
+              <a:cs typeface="Calibri" panose="020F0502020204030204" pitchFamily="34" charset="0"/>
+            </a:endParaRPr>
+          </a:p>
+          <a:p>
+            <a:endParaRPr lang="en-US" sz="2800" dirty="0">
+              <a:latin typeface="Calibri" panose="020F0502020204030204" pitchFamily="34" charset="0"/>
+              <a:cs typeface="Calibri" panose="020F0502020204030204" pitchFamily="34" charset="0"/>
+            </a:endParaRPr>
+          </a:p>
+        </p:txBody>
+      </p:sp>
+    </p:spTree>
+    <p:extLst>
+      <p:ext uri="{BB962C8B-B14F-4D97-AF65-F5344CB8AC3E}">
+        <p14:creationId xmlns:p14="http://schemas.microsoft.com/office/powerpoint/2010/main" val="1121027950"/>
+      </p:ext>
+    </p:extLst>
+  </p:cSld>
+  <p:clrMapOvr>
+    <a:masterClrMapping/>
+  </p:clrMapOvr>
+</p:sld>
+</file>
+
+<file path=ppt/slides/slide6.xml><?xml version="1.0" encoding="utf-8"?>
+<p:sld xmlns:a="http://schemas.openxmlformats.org/drawingml/2006/main" xmlns:r="http://schemas.openxmlformats.org/officeDocument/2006/relationships" xmlns:p="http://schemas.openxmlformats.org/presentationml/2006/main">
+  <p:cSld>
+    <p:spTree>
+      <p:nvGrpSpPr>
+        <p:cNvPr id="1" name=""/>
+        <p:cNvGrpSpPr/>
+        <p:nvPr/>
+      </p:nvGrpSpPr>
+      <p:grpSpPr>
+        <a:xfrm>
+          <a:off x="0" y="0"/>
+          <a:ext cx="0" cy="0"/>
+          <a:chOff x="0" y="0"/>
+          <a:chExt cx="0" cy="0"/>
+        </a:xfrm>
+      </p:grpSpPr>
+      <p:sp>
+        <p:nvSpPr>
+          <p:cNvPr id="2" name="Title 1">
+            <a:extLst>
+              <a:ext uri="{FF2B5EF4-FFF2-40B4-BE49-F238E27FC236}">
+                <a16:creationId xmlns:a16="http://schemas.microsoft.com/office/drawing/2014/main" id="{B2BB3E30-4B22-6B52-3F48-A5C874B81C01}"/>
+              </a:ext>
+            </a:extLst>
+          </p:cNvPr>
+          <p:cNvSpPr>
+            <a:spLocks noGrp="1"/>
+          </p:cNvSpPr>
+          <p:nvPr>
+            <p:ph type="ctrTitle"/>
+          </p:nvPr>
+        </p:nvSpPr>
+        <p:spPr>
+          <a:xfrm>
+            <a:off x="815715" y="4120688"/>
+            <a:ext cx="7772400" cy="1463040"/>
+          </a:xfrm>
+        </p:spPr>
+        <p:txBody>
+          <a:bodyPr>
+            <a:normAutofit/>
+          </a:bodyPr>
+          <a:lstStyle/>
+          <a:p>
+            <a:pPr algn="l"/>
+            <a:r>
+              <a:rPr lang="en-US" dirty="0">
+                <a:latin typeface="Calibri" panose="020F0502020204030204" pitchFamily="34" charset="0"/>
+                <a:cs typeface="Calibri" panose="020F0502020204030204" pitchFamily="34" charset="0"/>
+              </a:rPr>
+              <a:t>Redirect View</a:t>
+            </a:r>
+          </a:p>
+        </p:txBody>
+      </p:sp>
+    </p:spTree>
+    <p:extLst>
+      <p:ext uri="{BB962C8B-B14F-4D97-AF65-F5344CB8AC3E}">
+        <p14:creationId xmlns:p14="http://schemas.microsoft.com/office/powerpoint/2010/main" val="1751547824"/>
+      </p:ext>
+    </p:extLst>
+  </p:cSld>
+  <p:clrMapOvr>
+    <a:masterClrMapping/>
+  </p:clrMapOvr>
+</p:sld>
+</file>
+
+<file path=ppt/slides/slide7.xml><?xml version="1.0" encoding="utf-8"?>
+<p:sld xmlns:a="http://schemas.openxmlformats.org/drawingml/2006/main" xmlns:r="http://schemas.openxmlformats.org/officeDocument/2006/relationships" xmlns:p="http://schemas.openxmlformats.org/presentationml/2006/main">
+  <p:cSld>
+    <p:spTree>
+      <p:nvGrpSpPr>
+        <p:cNvPr id="1" name=""/>
+        <p:cNvGrpSpPr/>
+        <p:nvPr/>
+      </p:nvGrpSpPr>
+      <p:grpSpPr>
+        <a:xfrm>
+          <a:off x="0" y="0"/>
+          <a:ext cx="0" cy="0"/>
+          <a:chOff x="0" y="0"/>
+          <a:chExt cx="0" cy="0"/>
+        </a:xfrm>
+      </p:grpSpPr>
+      <p:sp>
+        <p:nvSpPr>
+          <p:cNvPr id="2" name="Title 1">
+            <a:extLst>
+              <a:ext uri="{FF2B5EF4-FFF2-40B4-BE49-F238E27FC236}">
                 <a16:creationId xmlns:a16="http://schemas.microsoft.com/office/drawing/2014/main" id="{F17E27A5-BACA-0649-674B-92242708D036}"/>
               </a:ext>
             </a:extLst>
@@ -5884,7 +6871,7 @@
 </p:sld>
 </file>
 
-<file path=ppt/slides/slide6.xml><?xml version="1.0" encoding="utf-8"?>
+<file path=ppt/slides/slide8.xml><?xml version="1.0" encoding="utf-8"?>
 <p:sld xmlns:a="http://schemas.openxmlformats.org/drawingml/2006/main" xmlns:r="http://schemas.openxmlformats.org/officeDocument/2006/relationships" xmlns:p="http://schemas.openxmlformats.org/presentationml/2006/main">
   <p:cSld>
     <p:spTree>
@@ -5982,7 +6969,7 @@
 </p:sld>
 </file>
 
-<file path=ppt/slides/slide7.xml><?xml version="1.0" encoding="utf-8"?>
+<file path=ppt/slides/slide9.xml><?xml version="1.0" encoding="utf-8"?>
 <p:sld xmlns:a="http://schemas.openxmlformats.org/drawingml/2006/main" xmlns:r="http://schemas.openxmlformats.org/officeDocument/2006/relationships" xmlns:p="http://schemas.openxmlformats.org/presentationml/2006/main">
   <p:cSld>
     <p:spTree>
@@ -6048,7 +7035,34 @@
           <a:bodyPr/>
           <a:lstStyle/>
           <a:p>
-            <a:endParaRPr lang="en-US"/>
+            <a:r>
+              <a:rPr lang="en-US" dirty="0">
+                <a:hlinkClick r:id="rId2"/>
+              </a:rPr>
+              <a:t>https://docs.djangoproject.com/en/4.2/topics/class-based-views/intro/</a:t>
+            </a:r>
+            <a:endParaRPr lang="en-US" dirty="0"/>
+          </a:p>
+          <a:p>
+            <a:r>
+              <a:rPr lang="en-US" dirty="0">
+                <a:hlinkClick r:id="rId3"/>
+              </a:rPr>
+              <a:t>https://docs.djangoproject.com/en/4.2/ref/class-based-views/generic-display/#django.views.generic.list.ListView</a:t>
+            </a:r>
+            <a:endParaRPr lang="en-US" dirty="0"/>
+          </a:p>
+          <a:p>
+            <a:r>
+              <a:rPr lang="en-US" dirty="0">
+                <a:hlinkClick r:id="rId4"/>
+              </a:rPr>
+              <a:t>https://docs.djangoproject.com/en/4.2/ref/class-based-views/mixins-multiple-object/#django.views.generic.list.MultipleObjectMixin</a:t>
+            </a:r>
+            <a:endParaRPr lang="en-US" dirty="0"/>
+          </a:p>
+          <a:p>
+            <a:endParaRPr lang="en-US" dirty="0"/>
           </a:p>
         </p:txBody>
       </p:sp>
@@ -6056,71 +7070,6 @@
     <p:extLst>
       <p:ext uri="{BB962C8B-B14F-4D97-AF65-F5344CB8AC3E}">
         <p14:creationId xmlns:p14="http://schemas.microsoft.com/office/powerpoint/2010/main" val="3679861087"/>
-      </p:ext>
-    </p:extLst>
-  </p:cSld>
-  <p:clrMapOvr>
-    <a:masterClrMapping/>
-  </p:clrMapOvr>
-</p:sld>
-</file>
-
-<file path=ppt/slides/slide8.xml><?xml version="1.0" encoding="utf-8"?>
-<p:sld xmlns:a="http://schemas.openxmlformats.org/drawingml/2006/main" xmlns:r="http://schemas.openxmlformats.org/officeDocument/2006/relationships" xmlns:p="http://schemas.openxmlformats.org/presentationml/2006/main">
-  <p:cSld>
-    <p:spTree>
-      <p:nvGrpSpPr>
-        <p:cNvPr id="1" name=""/>
-        <p:cNvGrpSpPr/>
-        <p:nvPr/>
-      </p:nvGrpSpPr>
-      <p:grpSpPr>
-        <a:xfrm>
-          <a:off x="0" y="0"/>
-          <a:ext cx="0" cy="0"/>
-          <a:chOff x="0" y="0"/>
-          <a:chExt cx="0" cy="0"/>
-        </a:xfrm>
-      </p:grpSpPr>
-      <p:pic>
-        <p:nvPicPr>
-          <p:cNvPr id="5" name="Content Placeholder 4">
-            <a:extLst>
-              <a:ext uri="{FF2B5EF4-FFF2-40B4-BE49-F238E27FC236}">
-                <a16:creationId xmlns:a16="http://schemas.microsoft.com/office/drawing/2014/main" id="{2C553E99-B3D2-AD88-9EE1-2146816CE9B3}"/>
-              </a:ext>
-            </a:extLst>
-          </p:cNvPr>
-          <p:cNvPicPr>
-            <a:picLocks noGrp="1" noChangeAspect="1"/>
-          </p:cNvPicPr>
-          <p:nvPr>
-            <p:ph idx="1"/>
-          </p:nvPr>
-        </p:nvPicPr>
-        <p:blipFill>
-          <a:blip r:embed="rId2">
-            <a:extLst>
-              <a:ext uri="{28A0092B-C50C-407E-A947-70E740481C1C}">
-                <a14:useLocalDpi xmlns:a14="http://schemas.microsoft.com/office/drawing/2010/main" val="0"/>
-              </a:ext>
-            </a:extLst>
-          </a:blip>
-          <a:stretch>
-            <a:fillRect/>
-          </a:stretch>
-        </p:blipFill>
-        <p:spPr>
-          <a:xfrm>
-            <a:off x="494522" y="261212"/>
-            <a:ext cx="10646467" cy="6419505"/>
-          </a:xfrm>
-        </p:spPr>
-      </p:pic>
-    </p:spTree>
-    <p:extLst>
-      <p:ext uri="{BB962C8B-B14F-4D97-AF65-F5344CB8AC3E}">
-        <p14:creationId xmlns:p14="http://schemas.microsoft.com/office/powerpoint/2010/main" val="4203247886"/>
       </p:ext>
     </p:extLst>
   </p:cSld>
